--- a/Varga Szabolcs/OpenCV/eng.pptx
+++ b/Varga Szabolcs/OpenCV/eng.pptx
@@ -206,7 +206,7 @@
           <a:p>
             <a:fld id="{08CAAAF5-33BF-40CF-96CF-8AD763BCC51F}" type="datetimeFigureOut">
               <a:rPr lang="hu-HU" smtClean="0"/>
-              <a:t>2025.05.14.</a:t>
+              <a:t>2025.06.11.</a:t>
             </a:fld>
             <a:endParaRPr lang="hu-HU"/>
           </a:p>
@@ -704,7 +704,7 @@
           <a:p>
             <a:fld id="{F221068D-1957-4C32-973B-6D043391B5C0}" type="datetimeFigureOut">
               <a:rPr lang="hu-HU" smtClean="0"/>
-              <a:t>2025.05.14.</a:t>
+              <a:t>2025.06.11.</a:t>
             </a:fld>
             <a:endParaRPr lang="hu-HU"/>
           </a:p>
@@ -902,7 +902,7 @@
           <a:p>
             <a:fld id="{F221068D-1957-4C32-973B-6D043391B5C0}" type="datetimeFigureOut">
               <a:rPr lang="hu-HU" smtClean="0"/>
-              <a:t>2025.05.14.</a:t>
+              <a:t>2025.06.11.</a:t>
             </a:fld>
             <a:endParaRPr lang="hu-HU"/>
           </a:p>
@@ -1110,7 +1110,7 @@
           <a:p>
             <a:fld id="{F221068D-1957-4C32-973B-6D043391B5C0}" type="datetimeFigureOut">
               <a:rPr lang="hu-HU" smtClean="0"/>
-              <a:t>2025.05.14.</a:t>
+              <a:t>2025.06.11.</a:t>
             </a:fld>
             <a:endParaRPr lang="hu-HU"/>
           </a:p>
@@ -1308,7 +1308,7 @@
           <a:p>
             <a:fld id="{F221068D-1957-4C32-973B-6D043391B5C0}" type="datetimeFigureOut">
               <a:rPr lang="hu-HU" smtClean="0"/>
-              <a:t>2025.05.14.</a:t>
+              <a:t>2025.06.11.</a:t>
             </a:fld>
             <a:endParaRPr lang="hu-HU"/>
           </a:p>
@@ -1583,7 +1583,7 @@
           <a:p>
             <a:fld id="{F221068D-1957-4C32-973B-6D043391B5C0}" type="datetimeFigureOut">
               <a:rPr lang="hu-HU" smtClean="0"/>
-              <a:t>2025.05.14.</a:t>
+              <a:t>2025.06.11.</a:t>
             </a:fld>
             <a:endParaRPr lang="hu-HU"/>
           </a:p>
@@ -1848,7 +1848,7 @@
           <a:p>
             <a:fld id="{F221068D-1957-4C32-973B-6D043391B5C0}" type="datetimeFigureOut">
               <a:rPr lang="hu-HU" smtClean="0"/>
-              <a:t>2025.05.14.</a:t>
+              <a:t>2025.06.11.</a:t>
             </a:fld>
             <a:endParaRPr lang="hu-HU"/>
           </a:p>
@@ -2260,7 +2260,7 @@
           <a:p>
             <a:fld id="{F221068D-1957-4C32-973B-6D043391B5C0}" type="datetimeFigureOut">
               <a:rPr lang="hu-HU" smtClean="0"/>
-              <a:t>2025.05.14.</a:t>
+              <a:t>2025.06.11.</a:t>
             </a:fld>
             <a:endParaRPr lang="hu-HU"/>
           </a:p>
@@ -2401,7 +2401,7 @@
           <a:p>
             <a:fld id="{F221068D-1957-4C32-973B-6D043391B5C0}" type="datetimeFigureOut">
               <a:rPr lang="hu-HU" smtClean="0"/>
-              <a:t>2025.05.14.</a:t>
+              <a:t>2025.06.11.</a:t>
             </a:fld>
             <a:endParaRPr lang="hu-HU"/>
           </a:p>
@@ -2514,7 +2514,7 @@
           <a:p>
             <a:fld id="{F221068D-1957-4C32-973B-6D043391B5C0}" type="datetimeFigureOut">
               <a:rPr lang="hu-HU" smtClean="0"/>
-              <a:t>2025.05.14.</a:t>
+              <a:t>2025.06.11.</a:t>
             </a:fld>
             <a:endParaRPr lang="hu-HU"/>
           </a:p>
@@ -2825,7 +2825,7 @@
           <a:p>
             <a:fld id="{F221068D-1957-4C32-973B-6D043391B5C0}" type="datetimeFigureOut">
               <a:rPr lang="hu-HU" smtClean="0"/>
-              <a:t>2025.05.14.</a:t>
+              <a:t>2025.06.11.</a:t>
             </a:fld>
             <a:endParaRPr lang="hu-HU"/>
           </a:p>
@@ -3113,7 +3113,7 @@
           <a:p>
             <a:fld id="{F221068D-1957-4C32-973B-6D043391B5C0}" type="datetimeFigureOut">
               <a:rPr lang="hu-HU" smtClean="0"/>
-              <a:t>2025.05.14.</a:t>
+              <a:t>2025.06.11.</a:t>
             </a:fld>
             <a:endParaRPr lang="hu-HU"/>
           </a:p>
@@ -3354,7 +3354,7 @@
           <a:p>
             <a:fld id="{F221068D-1957-4C32-973B-6D043391B5C0}" type="datetimeFigureOut">
               <a:rPr lang="hu-HU" smtClean="0"/>
-              <a:t>2025.05.14.</a:t>
+              <a:t>2025.06.11.</a:t>
             </a:fld>
             <a:endParaRPr lang="hu-HU"/>
           </a:p>
@@ -3992,13 +3992,13 @@
   <p:clrMapOvr>
     <a:masterClrMapping/>
   </p:clrMapOvr>
-  <mc:AlternateContent xmlns:mc="http://schemas.openxmlformats.org/markup-compatibility/2006">
-    <mc:Choice xmlns:p15="http://schemas.microsoft.com/office/powerpoint/2012/main" Requires="p15">
+  <mc:AlternateContent xmlns:mc="http://schemas.openxmlformats.org/markup-compatibility/2006" xmlns:p15="http://schemas.microsoft.com/office/powerpoint/2012/main">
+    <mc:Choice Requires="p15">
       <p:transition xmlns:p14="http://schemas.microsoft.com/office/powerpoint/2010/main" spd="slow" p14:dur="6000">
         <p15:prstTrans prst="curtains"/>
       </p:transition>
     </mc:Choice>
-    <mc:Fallback>
+    <mc:Fallback xmlns="">
       <p:transition spd="slow">
         <p:fade/>
       </p:transition>
@@ -4048,13 +4048,13 @@
   <p:clrMapOvr>
     <a:masterClrMapping/>
   </p:clrMapOvr>
-  <mc:AlternateContent xmlns:mc="http://schemas.openxmlformats.org/markup-compatibility/2006">
-    <mc:Choice xmlns:p14="http://schemas.microsoft.com/office/powerpoint/2010/main" Requires="p14">
+  <mc:AlternateContent xmlns:mc="http://schemas.openxmlformats.org/markup-compatibility/2006" xmlns:p14="http://schemas.microsoft.com/office/powerpoint/2010/main">
+    <mc:Choice Requires="p14">
       <p:transition spd="slow" p14:dur="1500">
         <p:split orient="vert"/>
       </p:transition>
     </mc:Choice>
-    <mc:Fallback>
+    <mc:Fallback xmlns="">
       <p:transition spd="slow">
         <p:split orient="vert"/>
       </p:transition>
@@ -4406,45 +4406,42 @@
           <a:chExt cx="0" cy="0"/>
         </a:xfrm>
       </p:grpSpPr>
-      <p:sp>
-        <p:nvSpPr>
-          <p:cNvPr id="2" name="Szövegdoboz 1">
-            <a:extLst>
-              <a:ext uri="{FF2B5EF4-FFF2-40B4-BE49-F238E27FC236}">
-                <a16:creationId xmlns:a16="http://schemas.microsoft.com/office/drawing/2014/main" id="{424382B7-F551-40A9-A448-1B3C2845709F}"/>
-              </a:ext>
-            </a:extLst>
-          </p:cNvPr>
-          <p:cNvSpPr txBox="1"/>
+      <p:pic>
+        <p:nvPicPr>
+          <p:cNvPr id="3" name="Kép 2">
+            <a:extLst>
+              <a:ext uri="{FF2B5EF4-FFF2-40B4-BE49-F238E27FC236}">
+                <a16:creationId xmlns:a16="http://schemas.microsoft.com/office/drawing/2014/main" id="{175A2C23-FB59-49A8-B099-9ED1B9D24659}"/>
+              </a:ext>
+            </a:extLst>
+          </p:cNvPr>
+          <p:cNvPicPr>
+            <a:picLocks noChangeAspect="1"/>
+          </p:cNvPicPr>
           <p:nvPr/>
-        </p:nvSpPr>
+        </p:nvPicPr>
+        <p:blipFill>
+          <a:blip r:embed="rId3">
+            <a:extLst>
+              <a:ext uri="{28A0092B-C50C-407E-A947-70E740481C1C}">
+                <a14:useLocalDpi xmlns:a14="http://schemas.microsoft.com/office/drawing/2010/main" val="0"/>
+              </a:ext>
+            </a:extLst>
+          </a:blip>
+          <a:stretch>
+            <a:fillRect/>
+          </a:stretch>
+        </p:blipFill>
         <p:spPr>
           <a:xfrm>
-            <a:off x="4886325" y="3333750"/>
-            <a:ext cx="530915" cy="646331"/>
+            <a:off x="2780837" y="971207"/>
+            <a:ext cx="6630325" cy="4915586"/>
           </a:xfrm>
           <a:prstGeom prst="rect">
             <a:avLst/>
           </a:prstGeom>
-          <a:noFill/>
         </p:spPr>
-        <p:txBody>
-          <a:bodyPr wrap="none" rtlCol="0">
-            <a:spAutoFit/>
-          </a:bodyPr>
-          <a:lstStyle/>
-          <a:p>
-            <a:r>
-              <a:rPr lang="hu-HU" dirty="0" err="1"/>
-              <a:t>Img</a:t>
-            </a:r>
-            <a:endParaRPr lang="hu-HU" dirty="0"/>
-          </a:p>
-          <a:p>
-            <a:endParaRPr lang="hu-HU" dirty="0"/>
-          </a:p>
-        </p:txBody>
-      </p:sp>
+      </p:pic>
     </p:spTree>
     <p:extLst>
       <p:ext uri="{BB962C8B-B14F-4D97-AF65-F5344CB8AC3E}">
@@ -4455,13 +4452,13 @@
   <p:clrMapOvr>
     <a:masterClrMapping/>
   </p:clrMapOvr>
-  <mc:AlternateContent xmlns:mc="http://schemas.openxmlformats.org/markup-compatibility/2006">
-    <mc:Choice xmlns:p159="http://schemas.microsoft.com/office/powerpoint/2015/09/main" Requires="p159">
+  <mc:AlternateContent xmlns:mc="http://schemas.openxmlformats.org/markup-compatibility/2006" xmlns:p159="http://schemas.microsoft.com/office/powerpoint/2015/09/main">
+    <mc:Choice Requires="p159">
       <p:transition xmlns:p14="http://schemas.microsoft.com/office/powerpoint/2010/main" spd="slow" p14:dur="2000">
         <p159:morph option="byObject"/>
       </p:transition>
     </mc:Choice>
-    <mc:Fallback>
+    <mc:Fallback xmlns="">
       <p:transition spd="slow">
         <p:fade/>
       </p:transition>
@@ -4994,13 +4991,13 @@
   <p:clrMapOvr>
     <a:masterClrMapping/>
   </p:clrMapOvr>
-  <mc:AlternateContent xmlns:mc="http://schemas.openxmlformats.org/markup-compatibility/2006">
-    <mc:Choice xmlns:p15="http://schemas.microsoft.com/office/powerpoint/2012/main" Requires="p15">
+  <mc:AlternateContent xmlns:mc="http://schemas.openxmlformats.org/markup-compatibility/2006" xmlns:p15="http://schemas.microsoft.com/office/powerpoint/2012/main">
+    <mc:Choice Requires="p15">
       <p:transition xmlns:p14="http://schemas.microsoft.com/office/powerpoint/2010/main" spd="slow" p14:dur="1250">
         <p15:prstTrans prst="peelOff"/>
       </p:transition>
     </mc:Choice>
-    <mc:Fallback>
+    <mc:Fallback xmlns="">
       <p:transition spd="slow">
         <p:fade/>
       </p:transition>
@@ -5199,13 +5196,13 @@
   <p:clrMapOvr>
     <a:masterClrMapping/>
   </p:clrMapOvr>
-  <mc:AlternateContent xmlns:mc="http://schemas.openxmlformats.org/markup-compatibility/2006">
-    <mc:Choice xmlns:p15="http://schemas.microsoft.com/office/powerpoint/2012/main" Requires="p15">
+  <mc:AlternateContent xmlns:mc="http://schemas.openxmlformats.org/markup-compatibility/2006" xmlns:p15="http://schemas.microsoft.com/office/powerpoint/2012/main">
+    <mc:Choice Requires="p15">
       <p:transition xmlns:p14="http://schemas.microsoft.com/office/powerpoint/2010/main" spd="slow" p14:dur="1250">
         <p15:prstTrans prst="airplane"/>
       </p:transition>
     </mc:Choice>
-    <mc:Fallback>
+    <mc:Fallback xmlns="">
       <p:transition spd="slow">
         <p:fade/>
       </p:transition>
